--- a/SRMA SIG presentation 2024.potx.pptx
+++ b/SRMA SIG presentation 2024.potx.pptx
@@ -630,6 +630,33 @@
         <p:txBody>
           <a:bodyPr/>
           <a:lstStyle/>
+          <a:p>
+            <a:pPr marL="0" marR="0" lvl="0" indent="0" algn="l" defTabSz="914400" rtl="0" eaLnBrk="1" fontAlgn="auto" latinLnBrk="0" hangingPunct="1">
+              <a:lnSpc>
+                <a:spcPct val="100000"/>
+              </a:lnSpc>
+              <a:spcBef>
+                <a:spcPts val="0"/>
+              </a:spcBef>
+              <a:spcAft>
+                <a:spcPts val="0"/>
+              </a:spcAft>
+              <a:buClrTx/>
+              <a:buSzTx/>
+              <a:buFontTx/>
+              <a:buNone/>
+              <a:tabLst/>
+              <a:defRPr/>
+            </a:pPr>
+            <a:r>
+              <a:rPr lang="en-US" sz="1200" dirty="0"/>
+              <a:t>Overlooking relevant studies at this initial review stage can be consequential, leading to substantially biased results.</a:t>
+            </a:r>
+            <a:endParaRPr lang="da-DK" dirty="0"/>
+          </a:p>
+          <a:p>
+            <a:endParaRPr lang="da-DK" dirty="0"/>
+          </a:p>
           <a:p>
             <a:r>
               <a:rPr lang="da-DK" dirty="0"/>
@@ -46650,26 +46677,9 @@
           <a:lstStyle/>
           <a:p>
             <a:r>
-              <a:rPr lang="da-DK" dirty="0" err="1"/>
-              <a:t>Appendix</a:t>
-            </a:r>
-            <a:r>
-              <a:rPr lang="da-DK" dirty="0"/>
-              <a:t> 2 – </a:t>
-            </a:r>
-            <a:r>
-              <a:rPr lang="da-DK" dirty="0" err="1"/>
-              <a:t>Numerical</a:t>
-            </a:r>
-            <a:r>
-              <a:rPr lang="da-DK" dirty="0"/>
-              <a:t> </a:t>
-            </a:r>
-            <a:r>
-              <a:rPr lang="da-DK" dirty="0" err="1"/>
-              <a:t>results</a:t>
-            </a:r>
-            <a:endParaRPr lang="en-US" dirty="0"/>
+              <a:rPr lang="en-US" dirty="0"/>
+              <a:t>Appendix 2 – Numerical results</a:t>
+            </a:r>
           </a:p>
         </p:txBody>
       </p:sp>
@@ -46762,7 +46772,7 @@
           <a:p>
             <a:r>
               <a:rPr lang="en-US" dirty="0"/>
-              <a:t>What we also do: further standardization</a:t>
+              <a:t>Appendix 3: What we also do: further standardization</a:t>
             </a:r>
           </a:p>
         </p:txBody>
@@ -46785,7 +46795,7 @@
         </p:nvSpPr>
         <p:spPr>
           <a:xfrm>
-            <a:off x="1013520" y="1359775"/>
+            <a:off x="1013520" y="1931992"/>
             <a:ext cx="10359972" cy="4485301"/>
           </a:xfrm>
         </p:spPr>
@@ -46931,7 +46941,7 @@
             </a:r>
             <a:r>
               <a:rPr lang="en-US" b="1" dirty="0"/>
-              <a:t>[Our answer: Assess the use with test data]</a:t>
+              <a:t>[Our answer: Assess the use with test data: Alternatively use fine-tuning]</a:t>
             </a:r>
           </a:p>
           <a:p>
@@ -46968,7 +46978,7 @@
             </a:pPr>
             <a:r>
               <a:rPr lang="en-US" dirty="0"/>
-              <a:t>In the paper, we to accommodate requirements b to f. </a:t>
+              <a:t>In our paper, we strive to accommodate requirements b to f. </a:t>
             </a:r>
           </a:p>
         </p:txBody>
@@ -47026,7 +47036,7 @@
           <a:p>
             <a:r>
               <a:rPr lang="en-US" dirty="0"/>
-              <a:t>Other possibilities with AIscreenR</a:t>
+              <a:t>Appendix 4: Other possibilities with AIscreenR</a:t>
             </a:r>
           </a:p>
         </p:txBody>
@@ -47070,7 +47080,7 @@
             </a:r>
             <a:r>
               <a:rPr lang="en-US" dirty="0"/>
-              <a:t>sed to reduce the number of studies needed to be humanly double screened. </a:t>
+              <a:t>sed to reduce the number of studies needed to be humanly double screened. This can be done by making too over-inclusive prompt on purpose. </a:t>
             </a:r>
           </a:p>
           <a:p>
@@ -47139,14 +47149,19 @@
             <p:ph type="title"/>
           </p:nvPr>
         </p:nvSpPr>
-        <p:spPr/>
+        <p:spPr>
+          <a:xfrm>
+            <a:off x="1013520" y="719413"/>
+            <a:ext cx="10158611" cy="891382"/>
+          </a:xfrm>
+        </p:spPr>
         <p:txBody>
           <a:bodyPr/>
           <a:lstStyle/>
           <a:p>
             <a:r>
               <a:rPr lang="en-US" dirty="0"/>
-              <a:t>Intro</a:t>
+              <a:t>Main goals and background material</a:t>
             </a:r>
           </a:p>
         </p:txBody>
@@ -47167,11 +47182,131 @@
             <p:ph type="body" sz="quarter" idx="10"/>
           </p:nvPr>
         </p:nvSpPr>
-        <p:spPr/>
+        <p:spPr>
+          <a:xfrm>
+            <a:off x="1013520" y="1749779"/>
+            <a:ext cx="10828524" cy="4730044"/>
+          </a:xfrm>
+        </p:spPr>
         <p:txBody>
           <a:bodyPr/>
           <a:lstStyle/>
           <a:p>
+            <a:pPr marL="0" indent="0">
+              <a:buNone/>
+            </a:pPr>
+            <a:endParaRPr lang="en-US" b="1" dirty="0"/>
+          </a:p>
+          <a:p>
+            <a:pPr marL="0" indent="0">
+              <a:buNone/>
+            </a:pPr>
+            <a:r>
+              <a:rPr lang="en-US" b="1" dirty="0"/>
+              <a:t>1) </a:t>
+            </a:r>
+            <a:r>
+              <a:rPr lang="en-US" dirty="0"/>
+              <a:t> to give you a practical understand of what title and abstract screening with GPT API models entails.</a:t>
+            </a:r>
+          </a:p>
+          <a:p>
+            <a:pPr marL="0" indent="0">
+              <a:buNone/>
+            </a:pPr>
+            <a:endParaRPr lang="en-US" dirty="0"/>
+          </a:p>
+          <a:p>
+            <a:pPr marL="0" indent="0">
+              <a:buNone/>
+            </a:pPr>
+            <a:r>
+              <a:rPr lang="en-US" b="1" dirty="0"/>
+              <a:t>2) </a:t>
+            </a:r>
+            <a:r>
+              <a:rPr lang="en-US" dirty="0"/>
+              <a:t>to give you an impression of how relative simple this screening approach is. </a:t>
+            </a:r>
+          </a:p>
+          <a:p>
+            <a:pPr marL="0" indent="0">
+              <a:buNone/>
+            </a:pPr>
+            <a:endParaRPr lang="en-US" dirty="0"/>
+          </a:p>
+          <a:p>
+            <a:pPr marL="0" indent="0">
+              <a:buNone/>
+            </a:pPr>
+            <a:r>
+              <a:rPr lang="en-US" b="1" dirty="0"/>
+              <a:t>3) </a:t>
+            </a:r>
+            <a:r>
+              <a:rPr lang="en-US" dirty="0"/>
+              <a:t>to show how (we think) you can quality assess such screenings.</a:t>
+            </a:r>
+          </a:p>
+          <a:p>
+            <a:endParaRPr lang="en-US" dirty="0"/>
+          </a:p>
+          <a:p>
+            <a:pPr marL="0" indent="0">
+              <a:buNone/>
+            </a:pPr>
+            <a:endParaRPr lang="en-US" dirty="0"/>
+          </a:p>
+          <a:p>
+            <a:pPr marL="0" indent="0">
+              <a:buNone/>
+            </a:pPr>
+            <a:r>
+              <a:rPr lang="en-US" dirty="0"/>
+              <a:t>Find all material from this presentation at: </a:t>
+            </a:r>
+            <a:r>
+              <a:rPr lang="en-US" dirty="0">
+                <a:hlinkClick r:id="rId2">
+                  <a:extLst>
+                    <a:ext uri="{A12FA001-AC4F-418D-AE19-62706E023703}">
+                      <ahyp:hlinkClr xmlns:ahyp="http://schemas.microsoft.com/office/drawing/2018/hyperlinkcolor" val="tx"/>
+                    </a:ext>
+                  </a:extLst>
+                </a:hlinkClick>
+              </a:rPr>
+              <a:t>https://github.com/MikkelVembye/SRMA-SIG-presentation</a:t>
+            </a:r>
+            <a:endParaRPr lang="en-US" dirty="0"/>
+          </a:p>
+          <a:p>
+            <a:pPr marL="0" indent="0">
+              <a:buNone/>
+            </a:pPr>
+            <a:r>
+              <a:rPr lang="da-DK" dirty="0"/>
+              <a:t>Find the </a:t>
+            </a:r>
+            <a:r>
+              <a:rPr lang="en-US" dirty="0"/>
+              <a:t>paper behind this presentation at: </a:t>
+            </a:r>
+            <a:r>
+              <a:rPr lang="da-DK" dirty="0">
+                <a:hlinkClick r:id="rId3">
+                  <a:extLst>
+                    <a:ext uri="{A12FA001-AC4F-418D-AE19-62706E023703}">
+                      <ahyp:hlinkClr xmlns:ahyp="http://schemas.microsoft.com/office/drawing/2018/hyperlinkcolor" val="tx"/>
+                    </a:ext>
+                  </a:extLst>
+                </a:hlinkClick>
+              </a:rPr>
+              <a:t>https://osf.io/yrhzm</a:t>
+            </a:r>
+            <a:r>
+              <a:rPr lang="da-DK" dirty="0"/>
+              <a:t> </a:t>
+            </a:r>
             <a:endParaRPr lang="en-US" dirty="0"/>
           </a:p>
         </p:txBody>
@@ -47224,8 +47359,8 @@
         </p:nvSpPr>
         <p:spPr>
           <a:xfrm>
-            <a:off x="1013520" y="567233"/>
-            <a:ext cx="10462714" cy="891382"/>
+            <a:off x="1013519" y="567233"/>
+            <a:ext cx="10602747" cy="891382"/>
           </a:xfrm>
         </p:spPr>
         <p:txBody>
@@ -47234,7 +47369,7 @@
           <a:p>
             <a:r>
               <a:rPr lang="en-US" dirty="0"/>
-              <a:t>Why use AI for screening in systematic review?</a:t>
+              <a:t>Why use AI for screening in systematic reviews?</a:t>
             </a:r>
           </a:p>
         </p:txBody>
@@ -47257,7 +47392,7 @@
         </p:nvSpPr>
         <p:spPr>
           <a:xfrm>
-            <a:off x="1013520" y="1458615"/>
+            <a:off x="1013519" y="1740837"/>
             <a:ext cx="10158611" cy="4832152"/>
           </a:xfrm>
         </p:spPr>
@@ -47270,7 +47405,7 @@
             </a:pPr>
             <a:r>
               <a:rPr lang="en-US" b="1" dirty="0"/>
-              <a:t>For Quality Reasons: To Improve Quality</a:t>
+              <a:t>For Quality Reasons: To reduce human errors</a:t>
             </a:r>
           </a:p>
           <a:p>
@@ -47293,18 +47428,8 @@
               <a:rPr lang="en-US" sz="1600" dirty="0"/>
             </a:br>
             <a:r>
-              <a:rPr lang="en-US" sz="1600" dirty="0"/>
-              <a:t>Overlooking relevant studies at this initial review stage can be consequential, leading to substantially biased results.</a:t>
-            </a:r>
-            <a:endParaRPr lang="da-DK" sz="1600" dirty="0"/>
-          </a:p>
-          <a:p>
-            <a:pPr marL="0" indent="0">
-              <a:buNone/>
-            </a:pPr>
-            <a:r>
               <a:rPr lang="en-US" b="1" dirty="0"/>
-              <a:t>For Resource Reasons: To Reduce Resources</a:t>
+              <a:t>For Resource Reasons: To reduce human resources and speed up the review process</a:t>
             </a:r>
           </a:p>
           <a:p>
@@ -47487,6 +47612,17 @@
             </a:pPr>
             <a:r>
               <a:rPr lang="en-US" dirty="0"/>
+              <a:t>Our results show that GPT API models perform at least on par with human screeners performances, even in very complex reviews with many inclusion criteria. I will come back to these results later in the presentation</a:t>
+            </a:r>
+          </a:p>
+          <a:p>
+            <a:pPr>
+              <a:spcAft>
+                <a:spcPts val="800"/>
+              </a:spcAft>
+            </a:pPr>
+            <a:r>
+              <a:rPr lang="en-US" dirty="0"/>
               <a:t>To conduct this type of screening, we have developed the R package AIscreenR (Vembye, 2024)</a:t>
             </a:r>
           </a:p>
@@ -47498,18 +47634,7 @@
             </a:pPr>
             <a:r>
               <a:rPr lang="en-US" dirty="0"/>
-              <a:t>Our results show that GPT API models perform at least on par with human screeners performances, even in very complex reviews with many inclusion criteria. I will come back to these results later in the presentation</a:t>
-            </a:r>
-          </a:p>
-          <a:p>
-            <a:pPr>
-              <a:spcAft>
-                <a:spcPts val="800"/>
-              </a:spcAft>
-            </a:pPr>
-            <a:r>
-              <a:rPr lang="en-US" dirty="0"/>
-              <a:t>So far, we have not yet encountered a case where we could not use this method.</a:t>
+              <a:t>So far, we have not yet encountered a case where we could not reliably use this method, meaning that they show screening behaviors at least on par with human screeners. </a:t>
             </a:r>
           </a:p>
           <a:p>
@@ -48009,7 +48134,7 @@
         </p:nvSpPr>
         <p:spPr>
           <a:xfrm>
-            <a:off x="664200" y="2237320"/>
+            <a:off x="661026" y="1898653"/>
             <a:ext cx="5082479" cy="4082838"/>
           </a:xfrm>
         </p:spPr>
@@ -48025,7 +48150,7 @@
           <a:p>
             <a:r>
               <a:rPr lang="en-US" dirty="0"/>
-              <a:t>In general, we recommend that GPT screenings should yield recalls above 75% to be usable.</a:t>
+              <a:t>In general, we recommend that GPT screenings should yield recalls above 75% to be usable in high-quality reviews. </a:t>
             </a:r>
           </a:p>
           <a:p>
@@ -48080,7 +48205,7 @@
         </p:blipFill>
         <p:spPr>
           <a:xfrm>
-            <a:off x="5914044" y="2237320"/>
+            <a:off x="5914044" y="1898653"/>
             <a:ext cx="6195930" cy="3607756"/>
           </a:xfrm>
           <a:prstGeom prst="rect">

--- a/SRMA SIG presentation 2024.potx.pptx
+++ b/SRMA SIG presentation 2024.potx.pptx
@@ -248,7 +248,7 @@
           <a:p>
             <a:fld id="{7BEB8190-3B91-4E7B-8634-E458355F2E20}" type="datetimeFigureOut">
               <a:rPr lang="en-GB" smtClean="0"/>
-              <a:t>14/11/2024</a:t>
+              <a:t>15/11/2024</a:t>
             </a:fld>
             <a:endParaRPr lang="en-GB"/>
           </a:p>
@@ -44235,7 +44235,7 @@
         </p:nvSpPr>
         <p:spPr>
           <a:xfrm>
-            <a:off x="623101" y="1279702"/>
+            <a:off x="623101" y="1135579"/>
             <a:ext cx="4791378" cy="4586842"/>
           </a:xfrm>
         </p:spPr>
@@ -44247,7 +44247,7 @@
               <a:buNone/>
             </a:pPr>
             <a:r>
-              <a:rPr lang="en-US" i="1" dirty="0"/>
+              <a:rPr lang="en-US" sz="2400" b="1" dirty="0"/>
               <a:t>Limitations</a:t>
             </a:r>
           </a:p>
@@ -44281,7 +44281,7 @@
             </a:pPr>
             <a:r>
               <a:rPr lang="en-US" dirty="0"/>
-              <a:t>In theory it is prompt sensitive</a:t>
+              <a:t>It can be prompt sensitive</a:t>
             </a:r>
           </a:p>
           <a:p>
@@ -44325,7 +44325,7 @@
         </p:nvSpPr>
         <p:spPr>
           <a:xfrm>
-            <a:off x="6387105" y="1279702"/>
+            <a:off x="6280936" y="1110368"/>
             <a:ext cx="4791378" cy="4395220"/>
           </a:xfrm>
           <a:prstGeom prst="rect">
@@ -44565,10 +44565,9 @@
               <a:buNone/>
             </a:pPr>
             <a:r>
-              <a:rPr lang="en-US" i="1" dirty="0"/>
+              <a:rPr lang="en-US" sz="2400" b="1" dirty="0"/>
               <a:t>Advantages</a:t>
             </a:r>
-            <a:endParaRPr lang="en-US" dirty="0"/>
           </a:p>
           <a:p>
             <a:pPr>
@@ -44804,36 +44803,8 @@
               </a:spcAft>
             </a:pPr>
             <a:r>
-              <a:rPr lang="da-DK" dirty="0"/>
-              <a:t>Can fine-tuning </a:t>
-            </a:r>
-            <a:r>
-              <a:rPr lang="da-DK" dirty="0" err="1"/>
-              <a:t>make</a:t>
-            </a:r>
-            <a:r>
-              <a:rPr lang="da-DK" dirty="0"/>
-              <a:t> </a:t>
-            </a:r>
-            <a:r>
-              <a:rPr lang="da-DK" dirty="0" err="1"/>
-              <a:t>this</a:t>
-            </a:r>
-            <a:r>
-              <a:rPr lang="da-DK" dirty="0"/>
-              <a:t> approach </a:t>
-            </a:r>
-            <a:r>
-              <a:rPr lang="da-DK" dirty="0" err="1"/>
-              <a:t>even</a:t>
-            </a:r>
-            <a:r>
-              <a:rPr lang="da-DK" dirty="0"/>
-              <a:t> more </a:t>
-            </a:r>
-            <a:r>
-              <a:rPr lang="da-DK" dirty="0" err="1"/>
-              <a:t>reliable</a:t>
+              <a:rPr lang="en-US" dirty="0"/>
+              <a:t>Considered how can fine-tuning can support the reliability of the screening approach even further</a:t>
             </a:r>
             <a:r>
               <a:rPr lang="da-DK" dirty="0"/>
@@ -47161,7 +47132,7 @@
           <a:p>
             <a:r>
               <a:rPr lang="en-US" dirty="0"/>
-              <a:t>Main goals and background material</a:t>
+              <a:t>Main goals of the presentation</a:t>
             </a:r>
           </a:p>
         </p:txBody>
@@ -47207,7 +47178,7 @@
             </a:r>
             <a:r>
               <a:rPr lang="en-US" dirty="0"/>
-              <a:t> to give you a practical understand of what title and abstract screening with GPT API models entails.</a:t>
+              <a:t>To give you with a practical understanding of title and abstract screening using GPT API models.</a:t>
             </a:r>
           </a:p>
           <a:p>
@@ -47226,7 +47197,7 @@
             </a:r>
             <a:r>
               <a:rPr lang="en-US" dirty="0"/>
-              <a:t>to give you an impression of how relative simple this screening approach is. </a:t>
+              <a:t>To give you an impression of how relatively simple and powerful this screening approach can be.</a:t>
             </a:r>
           </a:p>
           <a:p>
@@ -47245,7 +47216,7 @@
             </a:r>
             <a:r>
               <a:rPr lang="en-US" dirty="0"/>
-              <a:t>to show how (we think) you can quality assess such screenings.</a:t>
+              <a:t>To show how you can quality assess such screenings.</a:t>
             </a:r>
           </a:p>
           <a:p>
@@ -47715,22 +47686,9 @@
           <a:lstStyle/>
           <a:p>
             <a:r>
-              <a:rPr lang="da-DK" sz="3300" dirty="0" err="1"/>
-              <a:t>Why</a:t>
-            </a:r>
-            <a:r>
-              <a:rPr lang="da-DK" sz="3300" dirty="0"/>
-              <a:t> </a:t>
-            </a:r>
-            <a:r>
-              <a:rPr lang="da-DK" sz="3300" dirty="0" err="1"/>
-              <a:t>use</a:t>
-            </a:r>
-            <a:r>
-              <a:rPr lang="da-DK" sz="3300" dirty="0"/>
-              <a:t> GPT API models and not just ChatGPT?</a:t>
-            </a:r>
-            <a:endParaRPr lang="en-US" sz="3300" dirty="0"/>
+              <a:rPr lang="en-US" sz="3300" dirty="0"/>
+              <a:t>Why use GPT API models and not just ChatGPT?</a:t>
+            </a:r>
           </a:p>
         </p:txBody>
       </p:sp>
@@ -47948,8 +47906,8 @@
         </p:nvSpPr>
         <p:spPr>
           <a:xfrm>
-            <a:off x="1013520" y="2019194"/>
-            <a:ext cx="8528832" cy="3825882"/>
+            <a:off x="1013520" y="2668380"/>
+            <a:ext cx="9304524" cy="3825882"/>
           </a:xfrm>
         </p:spPr>
         <p:txBody>
@@ -48008,7 +47966,7 @@
               <a:rPr lang="en-US" dirty="0">
                 <a:hlinkClick r:id="rId3"/>
               </a:rPr>
-              <a:t>https://github.com/MikkelVembye/SRMA-SIG-presentation</a:t>
+              <a:t>https://github.com/MikkelVembye/SRMA-SIG-presentation/blob/main/Example%20code.R</a:t>
             </a:r>
             <a:r>
               <a:rPr lang="en-US" dirty="0"/>
@@ -48045,7 +48003,7 @@
         </p:blipFill>
         <p:spPr>
           <a:xfrm>
-            <a:off x="9542352" y="2219235"/>
+            <a:off x="9272605" y="248850"/>
             <a:ext cx="2090877" cy="2419530"/>
           </a:xfrm>
           <a:prstGeom prst="rect">
@@ -48172,7 +48130,7 @@
             </a:r>
             <a:r>
               <a:rPr lang="en-US" dirty="0"/>
-              <a:t>around 83–85%.</a:t>
+              <a:t>around 83%.</a:t>
             </a:r>
           </a:p>
           <a:p>
@@ -48304,7 +48262,7 @@
           <a:p>
             <a:r>
               <a:rPr lang="en-US" dirty="0"/>
-              <a:t>Guards against biased screenings that are inferior to human screening. </a:t>
+              <a:t>Guards against bad and biased screenings that are inferior to human screening. </a:t>
             </a:r>
           </a:p>
           <a:p>
@@ -48313,7 +48271,7 @@
           <a:p>
             <a:r>
               <a:rPr lang="en-US" dirty="0"/>
-              <a:t>It allows for context-specific assessments of the efficacy of using GPT API models as second screeners</a:t>
+              <a:t>It allows for context-specific assessments of the efficacy of using GPT API models as second screeners.</a:t>
             </a:r>
           </a:p>
           <a:p>
@@ -48339,7 +48297,7 @@
             </a:r>
             <a:r>
               <a:rPr lang="en-US" dirty="0"/>
-              <a:t>voids the wild-west and ensures standardization of this screening approach</a:t>
+              <a:t>voids the wild-west and ensures standardization of this screening approach.</a:t>
             </a:r>
           </a:p>
         </p:txBody>
@@ -48457,7 +48415,7 @@
             </a:pPr>
             <a:r>
               <a:rPr lang="en-US" dirty="0"/>
-              <a:t>GPT API models can perform on par with or in some cases even better typical human second screeners in high-quality systematic reviews (Vembye et al., 2024). All models yield recalls above 80% in all of our experiments.</a:t>
+              <a:t>GPT API models can perform on par with or in some cases even better typical human second screeners in high-quality systematic reviews (Vembye et al., 2024). All models yield recalls above 80% in all of our experiments while showing high exclusion rate as well. </a:t>
             </a:r>
           </a:p>
           <a:p>
@@ -48495,14 +48453,10 @@
             </a:r>
           </a:p>
           <a:p>
-            <a:pPr marL="0" indent="0">
-              <a:buNone/>
-            </a:pPr>
-            <a:endParaRPr lang="da-DK" dirty="0"/>
-          </a:p>
-          <a:p>
-            <a:pPr marL="0" indent="0">
-              <a:buNone/>
+            <a:pPr>
+              <a:spcAft>
+                <a:spcPts val="800"/>
+              </a:spcAft>
             </a:pPr>
             <a:r>
               <a:rPr lang="en-US" dirty="0"/>

--- a/SRMA SIG presentation 2024.potx.pptx
+++ b/SRMA SIG presentation 2024.potx.pptx
@@ -565,12 +565,9 @@
           <a:bodyPr/>
           <a:lstStyle/>
           <a:p>
-            <a:r>
-              <a:rPr lang="en-US" sz="1200" noProof="0" dirty="0">
-                <a:latin typeface="+mn-lt"/>
-              </a:rPr>
-              <a:t>Mention that the main goal of the presentation is to give a practical sense of this new screening approach. </a:t>
-            </a:r>
+            <a:endParaRPr lang="en-US" sz="1200" noProof="0" dirty="0">
+              <a:latin typeface="+mn-lt"/>
+            </a:endParaRPr>
           </a:p>
         </p:txBody>
       </p:sp>
@@ -47178,7 +47175,7 @@
             </a:r>
             <a:r>
               <a:rPr lang="en-US" dirty="0"/>
-              <a:t>To give you with a practical understanding of title and abstract screening using GPT API models.</a:t>
+              <a:t>To give you a practical understanding of title and abstract screening using GPT API models.</a:t>
             </a:r>
           </a:p>
           <a:p>

--- a/SRMA SIG presentation 2024.potx.pptx
+++ b/SRMA SIG presentation 2024.potx.pptx
@@ -47580,7 +47580,7 @@
             </a:pPr>
             <a:r>
               <a:rPr lang="en-US" dirty="0"/>
-              <a:t>Our results show that GPT API models perform at least on par with human screeners performances, even in very complex reviews with many inclusion criteria. I will come back to these results later in the presentation</a:t>
+              <a:t>Our results show that GPT API models perform at least on par with human screeners performances, even in very complex reviews with many inclusion criteria. I will come back to these results later in the presentation.</a:t>
             </a:r>
           </a:p>
           <a:p>
@@ -47591,7 +47591,7 @@
             </a:pPr>
             <a:r>
               <a:rPr lang="en-US" dirty="0"/>
-              <a:t>To conduct this type of screening, we have developed the R package AIscreenR (Vembye, 2024)</a:t>
+              <a:t>To conduct this type of screening, we have developed the R package AIscreenR (Vembye, 2024).</a:t>
             </a:r>
           </a:p>
           <a:p>
@@ -47614,7 +47614,7 @@
             </a:pPr>
             <a:r>
               <a:rPr lang="en-US" b="1" dirty="0"/>
-              <a:t>Based on this, we suggest that GPT API models can be used as full secondary screeners in state-of-the-art reviews (for further details, see Vembye, Christensen, Mølgaard, &amp; Schytt, 2024).</a:t>
+              <a:t>Based on this, we suggest that GPT API models can be used as full second screeners in state-of-the-art reviews</a:t>
             </a:r>
             <a:endParaRPr lang="da-DK" b="1" dirty="0"/>
           </a:p>
@@ -48423,7 +48423,7 @@
             </a:pPr>
             <a:r>
               <a:rPr lang="en-US" dirty="0"/>
-              <a:t>GPT-4 model can be rather over-inclusive n complex review settings.</a:t>
+              <a:t>GPT-4 model can be rather over-inclusive in complex review settings.</a:t>
             </a:r>
           </a:p>
           <a:p>

--- a/SRMA SIG presentation 2024.potx.pptx
+++ b/SRMA SIG presentation 2024.potx.pptx
@@ -47373,8 +47373,13 @@
             </a:pPr>
             <a:r>
               <a:rPr lang="en-US" b="1" dirty="0"/>
-              <a:t>For Quality Reasons: To reduce human errors</a:t>
-            </a:r>
+              <a:t>For Quality Reasons: To reduce human errors and increase </a:t>
+            </a:r>
+            <a:r>
+              <a:rPr lang="en-US" b="1"/>
+              <a:t>the size of database searches</a:t>
+            </a:r>
+            <a:endParaRPr lang="en-US" b="1" dirty="0"/>
           </a:p>
           <a:p>
             <a:r>
